--- a/Javascript面向对象编程.pptx
+++ b/Javascript面向对象编程.pptx
@@ -5,7 +5,7 @@
     <p:sldMasterId id="2147483648" r:id="rId1"/>
   </p:sldMasterIdLst>
   <p:notesMasterIdLst>
-    <p:notesMasterId r:id="rId13"/>
+    <p:notesMasterId r:id="rId16"/>
   </p:notesMasterIdLst>
   <p:sldIdLst>
     <p:sldId id="256" r:id="rId2"/>
@@ -17,8 +17,11 @@
     <p:sldId id="262" r:id="rId8"/>
     <p:sldId id="263" r:id="rId9"/>
     <p:sldId id="264" r:id="rId10"/>
-    <p:sldId id="265" r:id="rId11"/>
-    <p:sldId id="266" r:id="rId12"/>
+    <p:sldId id="267" r:id="rId11"/>
+    <p:sldId id="268" r:id="rId12"/>
+    <p:sldId id="269" r:id="rId13"/>
+    <p:sldId id="265" r:id="rId14"/>
+    <p:sldId id="266" r:id="rId15"/>
   </p:sldIdLst>
   <p:sldSz cx="9144000" cy="6858000" type="screen4x3"/>
   <p:notesSz cx="6858000" cy="9144000"/>
@@ -1041,6 +1044,13 @@
         </dgm:presLayoutVars>
       </dgm:prSet>
       <dgm:spPr/>
+      <dgm:t>
+        <a:bodyPr/>
+        <a:lstStyle/>
+        <a:p>
+          <a:endParaRPr lang="zh-CN" altLang="en-US"/>
+        </a:p>
+      </dgm:t>
     </dgm:pt>
     <dgm:pt modelId="{7BD429AC-96BB-478F-92A3-6BAFA939F35F}" type="pres">
       <dgm:prSet presAssocID="{ABE77055-B228-4D9E-A74A-DBC38075DFCB}" presName="hierRoot1" presStyleCnt="0">
@@ -1061,10 +1071,24 @@
         </dgm:presLayoutVars>
       </dgm:prSet>
       <dgm:spPr/>
+      <dgm:t>
+        <a:bodyPr/>
+        <a:lstStyle/>
+        <a:p>
+          <a:endParaRPr lang="zh-CN" altLang="en-US"/>
+        </a:p>
+      </dgm:t>
     </dgm:pt>
     <dgm:pt modelId="{53DF0957-5FD7-462C-9BC1-62C6B604E82B}" type="pres">
       <dgm:prSet presAssocID="{ABE77055-B228-4D9E-A74A-DBC38075DFCB}" presName="rootConnector1" presStyleLbl="node1" presStyleIdx="0" presStyleCnt="0"/>
       <dgm:spPr/>
+      <dgm:t>
+        <a:bodyPr/>
+        <a:lstStyle/>
+        <a:p>
+          <a:endParaRPr lang="zh-CN" altLang="en-US"/>
+        </a:p>
+      </dgm:t>
     </dgm:pt>
     <dgm:pt modelId="{3CBC97AC-F791-4A25-92D9-3E8DABBF2ADD}" type="pres">
       <dgm:prSet presAssocID="{ABE77055-B228-4D9E-A74A-DBC38075DFCB}" presName="hierChild2" presStyleCnt="0"/>
@@ -1073,6 +1097,13 @@
     <dgm:pt modelId="{611CC321-40BD-465D-9576-C84C67D766D2}" type="pres">
       <dgm:prSet presAssocID="{0FB7702C-B20A-4E33-8BB7-4DF065BDC83B}" presName="Name64" presStyleLbl="parChTrans1D2" presStyleIdx="0" presStyleCnt="3"/>
       <dgm:spPr/>
+      <dgm:t>
+        <a:bodyPr/>
+        <a:lstStyle/>
+        <a:p>
+          <a:endParaRPr lang="zh-CN" altLang="en-US"/>
+        </a:p>
+      </dgm:t>
     </dgm:pt>
     <dgm:pt modelId="{BAB2AF68-1AFD-4340-BBC0-2E57B9AAE0C5}" type="pres">
       <dgm:prSet presAssocID="{03D84F4A-1EC5-45EC-9B9D-FE11BEE27E3C}" presName="hierRoot2" presStyleCnt="0">
@@ -1093,10 +1124,24 @@
         </dgm:presLayoutVars>
       </dgm:prSet>
       <dgm:spPr/>
+      <dgm:t>
+        <a:bodyPr/>
+        <a:lstStyle/>
+        <a:p>
+          <a:endParaRPr lang="zh-CN" altLang="en-US"/>
+        </a:p>
+      </dgm:t>
     </dgm:pt>
     <dgm:pt modelId="{3B55804D-10CD-40A7-AF1E-DB10B66E2867}" type="pres">
       <dgm:prSet presAssocID="{03D84F4A-1EC5-45EC-9B9D-FE11BEE27E3C}" presName="rootConnector" presStyleLbl="node2" presStyleIdx="0" presStyleCnt="3"/>
       <dgm:spPr/>
+      <dgm:t>
+        <a:bodyPr/>
+        <a:lstStyle/>
+        <a:p>
+          <a:endParaRPr lang="zh-CN" altLang="en-US"/>
+        </a:p>
+      </dgm:t>
     </dgm:pt>
     <dgm:pt modelId="{99546757-DCCC-4CAC-870B-27BE4AF4DA20}" type="pres">
       <dgm:prSet presAssocID="{03D84F4A-1EC5-45EC-9B9D-FE11BEE27E3C}" presName="hierChild4" presStyleCnt="0"/>
@@ -1109,6 +1154,13 @@
     <dgm:pt modelId="{24347E4E-5B54-4577-9BC9-18A3C35FD992}" type="pres">
       <dgm:prSet presAssocID="{CFE9A6B5-D367-4557-B953-28BAF673269D}" presName="Name64" presStyleLbl="parChTrans1D2" presStyleIdx="1" presStyleCnt="3"/>
       <dgm:spPr/>
+      <dgm:t>
+        <a:bodyPr/>
+        <a:lstStyle/>
+        <a:p>
+          <a:endParaRPr lang="zh-CN" altLang="en-US"/>
+        </a:p>
+      </dgm:t>
     </dgm:pt>
     <dgm:pt modelId="{810AC3AC-6F09-4C1B-9EEA-658C3E8BFE65}" type="pres">
       <dgm:prSet presAssocID="{FD8BB06E-A798-4E78-B80C-E95FAF2B6022}" presName="hierRoot2" presStyleCnt="0">
@@ -1129,10 +1181,24 @@
         </dgm:presLayoutVars>
       </dgm:prSet>
       <dgm:spPr/>
+      <dgm:t>
+        <a:bodyPr/>
+        <a:lstStyle/>
+        <a:p>
+          <a:endParaRPr lang="zh-CN" altLang="en-US"/>
+        </a:p>
+      </dgm:t>
     </dgm:pt>
     <dgm:pt modelId="{F2E4016B-2C57-4C8B-9434-1E8596DE230A}" type="pres">
       <dgm:prSet presAssocID="{FD8BB06E-A798-4E78-B80C-E95FAF2B6022}" presName="rootConnector" presStyleLbl="node2" presStyleIdx="1" presStyleCnt="3"/>
       <dgm:spPr/>
+      <dgm:t>
+        <a:bodyPr/>
+        <a:lstStyle/>
+        <a:p>
+          <a:endParaRPr lang="zh-CN" altLang="en-US"/>
+        </a:p>
+      </dgm:t>
     </dgm:pt>
     <dgm:pt modelId="{C392B58A-6B73-4CA5-AEF3-8697701F24D6}" type="pres">
       <dgm:prSet presAssocID="{FD8BB06E-A798-4E78-B80C-E95FAF2B6022}" presName="hierChild4" presStyleCnt="0"/>
@@ -1145,6 +1211,13 @@
     <dgm:pt modelId="{5C9E205C-E8B7-4ED7-BAD8-CDBC9D52A145}" type="pres">
       <dgm:prSet presAssocID="{EFCBC164-C756-477B-848C-CEDDB8294AD4}" presName="Name64" presStyleLbl="parChTrans1D2" presStyleIdx="2" presStyleCnt="3"/>
       <dgm:spPr/>
+      <dgm:t>
+        <a:bodyPr/>
+        <a:lstStyle/>
+        <a:p>
+          <a:endParaRPr lang="zh-CN" altLang="en-US"/>
+        </a:p>
+      </dgm:t>
     </dgm:pt>
     <dgm:pt modelId="{5734D94D-A612-4CF8-8589-48E9CC37A69A}" type="pres">
       <dgm:prSet presAssocID="{9CE10F71-B5C7-4FDB-9B4F-1A4612730A47}" presName="hierRoot2" presStyleCnt="0">
@@ -1165,10 +1238,24 @@
         </dgm:presLayoutVars>
       </dgm:prSet>
       <dgm:spPr/>
+      <dgm:t>
+        <a:bodyPr/>
+        <a:lstStyle/>
+        <a:p>
+          <a:endParaRPr lang="zh-CN" altLang="en-US"/>
+        </a:p>
+      </dgm:t>
     </dgm:pt>
     <dgm:pt modelId="{EC6F1039-A9A8-456A-8512-47C654E97B3D}" type="pres">
       <dgm:prSet presAssocID="{9CE10F71-B5C7-4FDB-9B4F-1A4612730A47}" presName="rootConnector" presStyleLbl="node2" presStyleIdx="2" presStyleCnt="3"/>
       <dgm:spPr/>
+      <dgm:t>
+        <a:bodyPr/>
+        <a:lstStyle/>
+        <a:p>
+          <a:endParaRPr lang="zh-CN" altLang="en-US"/>
+        </a:p>
+      </dgm:t>
     </dgm:pt>
     <dgm:pt modelId="{C2C53CAE-AF33-48A4-BF04-A14C34AB7B51}" type="pres">
       <dgm:prSet presAssocID="{9CE10F71-B5C7-4FDB-9B4F-1A4612730A47}" presName="hierChild4" presStyleCnt="0"/>
@@ -1184,22 +1271,22 @@
     </dgm:pt>
   </dgm:ptLst>
   <dgm:cxnLst>
-    <dgm:cxn modelId="{C5220C6B-D99C-479B-8EDF-B6D0AB0FF5BD}" type="presOf" srcId="{9CE10F71-B5C7-4FDB-9B4F-1A4612730A47}" destId="{EC6F1039-A9A8-456A-8512-47C654E97B3D}" srcOrd="1" destOrd="0" presId="urn:microsoft.com/office/officeart/2009/3/layout/HorizontalOrganizationChart"/>
-    <dgm:cxn modelId="{357E0FF7-D08D-48FD-8449-671EEFCBBC89}" type="presOf" srcId="{03D84F4A-1EC5-45EC-9B9D-FE11BEE27E3C}" destId="{5FD50DE5-642B-45EF-88AD-034D9316327E}" srcOrd="0" destOrd="0" presId="urn:microsoft.com/office/officeart/2009/3/layout/HorizontalOrganizationChart"/>
+    <dgm:cxn modelId="{E0AB0F9A-EDA6-404F-BBED-D8D3CDADC670}" type="presOf" srcId="{FD8BB06E-A798-4E78-B80C-E95FAF2B6022}" destId="{49BE8A59-44C0-4AD5-B501-219D0AC59022}" srcOrd="0" destOrd="0" presId="urn:microsoft.com/office/officeart/2009/3/layout/HorizontalOrganizationChart"/>
     <dgm:cxn modelId="{074F6853-89E6-4861-B01F-4DC3C4A35E5D}" type="presOf" srcId="{CFE9A6B5-D367-4557-B953-28BAF673269D}" destId="{24347E4E-5B54-4577-9BC9-18A3C35FD992}" srcOrd="0" destOrd="0" presId="urn:microsoft.com/office/officeart/2009/3/layout/HorizontalOrganizationChart"/>
-    <dgm:cxn modelId="{CB3561F3-9B4C-4556-A0C7-33438545E072}" srcId="{ABE77055-B228-4D9E-A74A-DBC38075DFCB}" destId="{FD8BB06E-A798-4E78-B80C-E95FAF2B6022}" srcOrd="1" destOrd="0" parTransId="{CFE9A6B5-D367-4557-B953-28BAF673269D}" sibTransId="{E6C57253-CEDF-4C54-B5E5-9A5AFE99EB50}"/>
     <dgm:cxn modelId="{6D36FE0A-00D8-45E5-880D-D2B429F5AD89}" type="presOf" srcId="{9CE10F71-B5C7-4FDB-9B4F-1A4612730A47}" destId="{C147EF5B-90BC-46ED-BD27-D303B1429F07}" srcOrd="0" destOrd="0" presId="urn:microsoft.com/office/officeart/2009/3/layout/HorizontalOrganizationChart"/>
-    <dgm:cxn modelId="{D1A1BF94-9425-493A-BB42-DD8ECC1A8245}" type="presOf" srcId="{ABE77055-B228-4D9E-A74A-DBC38075DFCB}" destId="{53DF0957-5FD7-462C-9BC1-62C6B604E82B}" srcOrd="1" destOrd="0" presId="urn:microsoft.com/office/officeart/2009/3/layout/HorizontalOrganizationChart"/>
     <dgm:cxn modelId="{84DF7367-B930-4791-A249-55348806BE11}" type="presOf" srcId="{0FB7702C-B20A-4E33-8BB7-4DF065BDC83B}" destId="{611CC321-40BD-465D-9576-C84C67D766D2}" srcOrd="0" destOrd="0" presId="urn:microsoft.com/office/officeart/2009/3/layout/HorizontalOrganizationChart"/>
     <dgm:cxn modelId="{314DEF64-6FFC-445E-83E3-13DA71207348}" type="presOf" srcId="{FD8BB06E-A798-4E78-B80C-E95FAF2B6022}" destId="{F2E4016B-2C57-4C8B-9434-1E8596DE230A}" srcOrd="1" destOrd="0" presId="urn:microsoft.com/office/officeart/2009/3/layout/HorizontalOrganizationChart"/>
+    <dgm:cxn modelId="{CB3561F3-9B4C-4556-A0C7-33438545E072}" srcId="{ABE77055-B228-4D9E-A74A-DBC38075DFCB}" destId="{FD8BB06E-A798-4E78-B80C-E95FAF2B6022}" srcOrd="1" destOrd="0" parTransId="{CFE9A6B5-D367-4557-B953-28BAF673269D}" sibTransId="{E6C57253-CEDF-4C54-B5E5-9A5AFE99EB50}"/>
+    <dgm:cxn modelId="{3AA3ED00-0E54-45FA-9DBC-029153C2D233}" srcId="{34841327-629C-4708-9CA6-2393680F2C1C}" destId="{ABE77055-B228-4D9E-A74A-DBC38075DFCB}" srcOrd="0" destOrd="0" parTransId="{54DC8074-2161-4BE7-B8A5-EB51A8376D5D}" sibTransId="{70D66178-1D87-4420-ACEC-95DE0C0351F4}"/>
     <dgm:cxn modelId="{E8891E8B-4094-4756-92BE-E01EB903FAE2}" type="presOf" srcId="{34841327-629C-4708-9CA6-2393680F2C1C}" destId="{BF910DF2-79F8-45A6-8601-9F46398FECB7}" srcOrd="0" destOrd="0" presId="urn:microsoft.com/office/officeart/2009/3/layout/HorizontalOrganizationChart"/>
+    <dgm:cxn modelId="{8A1D64DA-77B2-4E3E-84CE-50F346268D57}" srcId="{ABE77055-B228-4D9E-A74A-DBC38075DFCB}" destId="{9CE10F71-B5C7-4FDB-9B4F-1A4612730A47}" srcOrd="2" destOrd="0" parTransId="{EFCBC164-C756-477B-848C-CEDDB8294AD4}" sibTransId="{524722C4-3C8F-4DF2-B452-8969EE0A2F5A}"/>
+    <dgm:cxn modelId="{C5220C6B-D99C-479B-8EDF-B6D0AB0FF5BD}" type="presOf" srcId="{9CE10F71-B5C7-4FDB-9B4F-1A4612730A47}" destId="{EC6F1039-A9A8-456A-8512-47C654E97B3D}" srcOrd="1" destOrd="0" presId="urn:microsoft.com/office/officeart/2009/3/layout/HorizontalOrganizationChart"/>
+    <dgm:cxn modelId="{24128B2C-D34D-42DB-A17B-4E4B43BB4326}" srcId="{ABE77055-B228-4D9E-A74A-DBC38075DFCB}" destId="{03D84F4A-1EC5-45EC-9B9D-FE11BEE27E3C}" srcOrd="0" destOrd="0" parTransId="{0FB7702C-B20A-4E33-8BB7-4DF065BDC83B}" sibTransId="{0823A7FF-5225-41BD-9B49-78B42734F4B5}"/>
     <dgm:cxn modelId="{6FEE3CA8-6579-4B1F-8764-91FB632442D8}" type="presOf" srcId="{03D84F4A-1EC5-45EC-9B9D-FE11BEE27E3C}" destId="{3B55804D-10CD-40A7-AF1E-DB10B66E2867}" srcOrd="1" destOrd="0" presId="urn:microsoft.com/office/officeart/2009/3/layout/HorizontalOrganizationChart"/>
-    <dgm:cxn modelId="{E0AB0F9A-EDA6-404F-BBED-D8D3CDADC670}" type="presOf" srcId="{FD8BB06E-A798-4E78-B80C-E95FAF2B6022}" destId="{49BE8A59-44C0-4AD5-B501-219D0AC59022}" srcOrd="0" destOrd="0" presId="urn:microsoft.com/office/officeart/2009/3/layout/HorizontalOrganizationChart"/>
+    <dgm:cxn modelId="{D1A1BF94-9425-493A-BB42-DD8ECC1A8245}" type="presOf" srcId="{ABE77055-B228-4D9E-A74A-DBC38075DFCB}" destId="{53DF0957-5FD7-462C-9BC1-62C6B604E82B}" srcOrd="1" destOrd="0" presId="urn:microsoft.com/office/officeart/2009/3/layout/HorizontalOrganizationChart"/>
     <dgm:cxn modelId="{78F360D8-88AA-4DD6-8C49-DEF23E1AB33D}" type="presOf" srcId="{EFCBC164-C756-477B-848C-CEDDB8294AD4}" destId="{5C9E205C-E8B7-4ED7-BAD8-CDBC9D52A145}" srcOrd="0" destOrd="0" presId="urn:microsoft.com/office/officeart/2009/3/layout/HorizontalOrganizationChart"/>
-    <dgm:cxn modelId="{8A1D64DA-77B2-4E3E-84CE-50F346268D57}" srcId="{ABE77055-B228-4D9E-A74A-DBC38075DFCB}" destId="{9CE10F71-B5C7-4FDB-9B4F-1A4612730A47}" srcOrd="2" destOrd="0" parTransId="{EFCBC164-C756-477B-848C-CEDDB8294AD4}" sibTransId="{524722C4-3C8F-4DF2-B452-8969EE0A2F5A}"/>
-    <dgm:cxn modelId="{3AA3ED00-0E54-45FA-9DBC-029153C2D233}" srcId="{34841327-629C-4708-9CA6-2393680F2C1C}" destId="{ABE77055-B228-4D9E-A74A-DBC38075DFCB}" srcOrd="0" destOrd="0" parTransId="{54DC8074-2161-4BE7-B8A5-EB51A8376D5D}" sibTransId="{70D66178-1D87-4420-ACEC-95DE0C0351F4}"/>
     <dgm:cxn modelId="{1716B7F1-8EA7-4F08-AA6B-272D6412C55E}" type="presOf" srcId="{ABE77055-B228-4D9E-A74A-DBC38075DFCB}" destId="{42756F4F-3010-4A7B-A50E-A5397322F6CD}" srcOrd="0" destOrd="0" presId="urn:microsoft.com/office/officeart/2009/3/layout/HorizontalOrganizationChart"/>
-    <dgm:cxn modelId="{24128B2C-D34D-42DB-A17B-4E4B43BB4326}" srcId="{ABE77055-B228-4D9E-A74A-DBC38075DFCB}" destId="{03D84F4A-1EC5-45EC-9B9D-FE11BEE27E3C}" srcOrd="0" destOrd="0" parTransId="{0FB7702C-B20A-4E33-8BB7-4DF065BDC83B}" sibTransId="{0823A7FF-5225-41BD-9B49-78B42734F4B5}"/>
+    <dgm:cxn modelId="{357E0FF7-D08D-48FD-8449-671EEFCBBC89}" type="presOf" srcId="{03D84F4A-1EC5-45EC-9B9D-FE11BEE27E3C}" destId="{5FD50DE5-642B-45EF-88AD-034D9316327E}" srcOrd="0" destOrd="0" presId="urn:microsoft.com/office/officeart/2009/3/layout/HorizontalOrganizationChart"/>
     <dgm:cxn modelId="{80DDD014-4B8A-405D-8136-DF6A76AB0295}" type="presParOf" srcId="{BF910DF2-79F8-45A6-8601-9F46398FECB7}" destId="{7BD429AC-96BB-478F-92A3-6BAFA939F35F}" srcOrd="0" destOrd="0" presId="urn:microsoft.com/office/officeart/2009/3/layout/HorizontalOrganizationChart"/>
     <dgm:cxn modelId="{14A3B081-8B60-429F-9A62-88D78E58E67A}" type="presParOf" srcId="{7BD429AC-96BB-478F-92A3-6BAFA939F35F}" destId="{25443270-08CE-445D-B500-F1ABF1AB4EEC}" srcOrd="0" destOrd="0" presId="urn:microsoft.com/office/officeart/2009/3/layout/HorizontalOrganizationChart"/>
     <dgm:cxn modelId="{FF1A44F8-191C-4172-9C7B-E51004ED891E}" type="presParOf" srcId="{25443270-08CE-445D-B500-F1ABF1AB4EEC}" destId="{42756F4F-3010-4A7B-A50E-A5397322F6CD}" srcOrd="0" destOrd="0" presId="urn:microsoft.com/office/officeart/2009/3/layout/HorizontalOrganizationChart"/>
@@ -4035,7 +4122,7 @@
           <a:p>
             <a:fld id="{6A415624-6C3C-4CD4-9BE7-8993E8950CB4}" type="datetimeFigureOut">
               <a:rPr lang="zh-CN" altLang="en-US" smtClean="0"/>
-              <a:t>2017/8/3</a:t>
+              <a:t>2017/8/10</a:t>
             </a:fld>
             <a:endParaRPr lang="zh-CN" altLang="en-US"/>
           </a:p>
@@ -4568,7 +4655,7 @@
           <a:p>
             <a:fld id="{530820CF-B880-4189-942D-D702A7CBA730}" type="datetimeFigureOut">
               <a:rPr lang="zh-CN" altLang="en-US" smtClean="0"/>
-              <a:t>2017/8/3</a:t>
+              <a:t>2017/8/10</a:t>
             </a:fld>
             <a:endParaRPr lang="zh-CN" altLang="en-US"/>
           </a:p>
@@ -4733,7 +4820,7 @@
           <a:p>
             <a:fld id="{530820CF-B880-4189-942D-D702A7CBA730}" type="datetimeFigureOut">
               <a:rPr lang="zh-CN" altLang="en-US" smtClean="0"/>
-              <a:t>2017/8/3</a:t>
+              <a:t>2017/8/10</a:t>
             </a:fld>
             <a:endParaRPr lang="zh-CN" altLang="en-US"/>
           </a:p>
@@ -4908,7 +4995,7 @@
           <a:p>
             <a:fld id="{530820CF-B880-4189-942D-D702A7CBA730}" type="datetimeFigureOut">
               <a:rPr lang="zh-CN" altLang="en-US" smtClean="0"/>
-              <a:t>2017/8/3</a:t>
+              <a:t>2017/8/10</a:t>
             </a:fld>
             <a:endParaRPr lang="zh-CN" altLang="en-US"/>
           </a:p>
@@ -5073,7 +5160,7 @@
           <a:p>
             <a:fld id="{530820CF-B880-4189-942D-D702A7CBA730}" type="datetimeFigureOut">
               <a:rPr lang="zh-CN" altLang="en-US" smtClean="0"/>
-              <a:t>2017/8/3</a:t>
+              <a:t>2017/8/10</a:t>
             </a:fld>
             <a:endParaRPr lang="zh-CN" altLang="en-US"/>
           </a:p>
@@ -5314,7 +5401,7 @@
           <a:p>
             <a:fld id="{530820CF-B880-4189-942D-D702A7CBA730}" type="datetimeFigureOut">
               <a:rPr lang="zh-CN" altLang="en-US" smtClean="0"/>
-              <a:t>2017/8/3</a:t>
+              <a:t>2017/8/10</a:t>
             </a:fld>
             <a:endParaRPr lang="zh-CN" altLang="en-US"/>
           </a:p>
@@ -5597,7 +5684,7 @@
           <a:p>
             <a:fld id="{530820CF-B880-4189-942D-D702A7CBA730}" type="datetimeFigureOut">
               <a:rPr lang="zh-CN" altLang="en-US" smtClean="0"/>
-              <a:t>2017/8/3</a:t>
+              <a:t>2017/8/10</a:t>
             </a:fld>
             <a:endParaRPr lang="zh-CN" altLang="en-US"/>
           </a:p>
@@ -6014,7 +6101,7 @@
           <a:p>
             <a:fld id="{530820CF-B880-4189-942D-D702A7CBA730}" type="datetimeFigureOut">
               <a:rPr lang="zh-CN" altLang="en-US" smtClean="0"/>
-              <a:t>2017/8/3</a:t>
+              <a:t>2017/8/10</a:t>
             </a:fld>
             <a:endParaRPr lang="zh-CN" altLang="en-US"/>
           </a:p>
@@ -6127,7 +6214,7 @@
           <a:p>
             <a:fld id="{530820CF-B880-4189-942D-D702A7CBA730}" type="datetimeFigureOut">
               <a:rPr lang="zh-CN" altLang="en-US" smtClean="0"/>
-              <a:t>2017/8/3</a:t>
+              <a:t>2017/8/10</a:t>
             </a:fld>
             <a:endParaRPr lang="zh-CN" altLang="en-US"/>
           </a:p>
@@ -6217,7 +6304,7 @@
           <a:p>
             <a:fld id="{530820CF-B880-4189-942D-D702A7CBA730}" type="datetimeFigureOut">
               <a:rPr lang="zh-CN" altLang="en-US" smtClean="0"/>
-              <a:t>2017/8/3</a:t>
+              <a:t>2017/8/10</a:t>
             </a:fld>
             <a:endParaRPr lang="zh-CN" altLang="en-US"/>
           </a:p>
@@ -6489,7 +6576,7 @@
           <a:p>
             <a:fld id="{530820CF-B880-4189-942D-D702A7CBA730}" type="datetimeFigureOut">
               <a:rPr lang="zh-CN" altLang="en-US" smtClean="0"/>
-              <a:t>2017/8/3</a:t>
+              <a:t>2017/8/10</a:t>
             </a:fld>
             <a:endParaRPr lang="zh-CN" altLang="en-US"/>
           </a:p>
@@ -6737,7 +6824,7 @@
           <a:p>
             <a:fld id="{530820CF-B880-4189-942D-D702A7CBA730}" type="datetimeFigureOut">
               <a:rPr lang="zh-CN" altLang="en-US" smtClean="0"/>
-              <a:t>2017/8/3</a:t>
+              <a:t>2017/8/10</a:t>
             </a:fld>
             <a:endParaRPr lang="zh-CN" altLang="en-US"/>
           </a:p>
@@ -6945,7 +7032,7 @@
           <a:p>
             <a:fld id="{530820CF-B880-4189-942D-D702A7CBA730}" type="datetimeFigureOut">
               <a:rPr lang="zh-CN" altLang="en-US" smtClean="0"/>
-              <a:t>2017/8/3</a:t>
+              <a:t>2017/8/10</a:t>
             </a:fld>
             <a:endParaRPr lang="zh-CN" altLang="en-US"/>
           </a:p>
@@ -7456,8 +7543,10 @@
           <a:lstStyle/>
           <a:p>
             <a:r>
-              <a:rPr lang="zh-CN" altLang="en-US" dirty="0" smtClean="0"/>
-              <a:t>多态</a:t>
+              <a:rPr lang="zh-CN" altLang="en-US" dirty="0" smtClean="0">
+                <a:hlinkClick r:id="rId2"/>
+              </a:rPr>
+              <a:t>原型式继承</a:t>
             </a:r>
             <a:endParaRPr lang="zh-CN" altLang="en-US" dirty="0"/>
           </a:p>
@@ -7475,37 +7564,66 @@
         </p:nvSpPr>
         <p:spPr/>
         <p:txBody>
-          <a:bodyPr/>
+          <a:bodyPr>
+            <a:normAutofit/>
+          </a:bodyPr>
           <a:lstStyle/>
           <a:p>
             <a:r>
-              <a:rPr lang="zh-CN" altLang="en-US" dirty="0"/>
-              <a:t>多态指同一个实体同时具有多种形式。它</a:t>
-            </a:r>
-            <a:r>
-              <a:rPr lang="zh-CN" altLang="en-US" dirty="0" smtClean="0"/>
-              <a:t>是面向对象程序设计（</a:t>
-            </a:r>
-            <a:r>
-              <a:rPr lang="en-US" altLang="zh-CN" dirty="0"/>
-              <a:t>OOP</a:t>
-            </a:r>
-            <a:r>
-              <a:rPr lang="zh-CN" altLang="en-US" dirty="0"/>
-              <a:t>）的一个重要</a:t>
-            </a:r>
-            <a:r>
-              <a:rPr lang="zh-CN" altLang="en-US" dirty="0" smtClean="0"/>
-              <a:t>特征。</a:t>
-            </a:r>
-            <a:endParaRPr lang="zh-CN" altLang="en-US" dirty="0"/>
+              <a:rPr lang="zh-CN" altLang="en-US" sz="2000" dirty="0" smtClean="0"/>
+              <a:t>借助原型</a:t>
+            </a:r>
+            <a:r>
+              <a:rPr lang="en-US" altLang="zh-CN" sz="2000" dirty="0" smtClean="0"/>
+              <a:t>prototype</a:t>
+            </a:r>
+            <a:r>
+              <a:rPr lang="zh-CN" altLang="en-US" sz="2000" dirty="0" smtClean="0"/>
+              <a:t>可以根据已有对象创建一个新的对象，同时不必创建新的自定义对象类型</a:t>
+            </a:r>
+            <a:endParaRPr lang="en-US" altLang="zh-CN" sz="2000" dirty="0" smtClean="0"/>
+          </a:p>
+          <a:p>
+            <a:endParaRPr lang="zh-CN" altLang="en-US" sz="2000" dirty="0"/>
           </a:p>
         </p:txBody>
       </p:sp>
+      <p:pic>
+        <p:nvPicPr>
+          <p:cNvPr id="4" name="图片 3">
+            <a:hlinkClick r:id="rId2"/>
+          </p:cNvPr>
+          <p:cNvPicPr>
+            <a:picLocks noChangeAspect="1"/>
+          </p:cNvPicPr>
+          <p:nvPr/>
+        </p:nvPicPr>
+        <p:blipFill>
+          <a:blip r:embed="rId3">
+            <a:extLst>
+              <a:ext uri="{28A0092B-C50C-407E-A947-70E740481C1C}">
+                <a14:useLocalDpi xmlns:a14="http://schemas.microsoft.com/office/drawing/2010/main" val="0"/>
+              </a:ext>
+            </a:extLst>
+          </a:blip>
+          <a:stretch>
+            <a:fillRect/>
+          </a:stretch>
+        </p:blipFill>
+        <p:spPr>
+          <a:xfrm>
+            <a:off x="1619672" y="2708474"/>
+            <a:ext cx="3724275" cy="2905125"/>
+          </a:xfrm>
+          <a:prstGeom prst="rect">
+            <a:avLst/>
+          </a:prstGeom>
+        </p:spPr>
+      </p:pic>
     </p:spTree>
     <p:extLst>
       <p:ext uri="{BB962C8B-B14F-4D97-AF65-F5344CB8AC3E}">
-        <p14:creationId xmlns:p14="http://schemas.microsoft.com/office/powerpoint/2010/main" val="4040251918"/>
+        <p14:creationId xmlns:p14="http://schemas.microsoft.com/office/powerpoint/2010/main" val="3479769090"/>
       </p:ext>
     </p:extLst>
   </p:cSld>
@@ -7549,9 +7667,274 @@
           <a:p>
             <a:r>
               <a:rPr lang="zh-CN" altLang="en-US" dirty="0" smtClean="0">
+                <a:hlinkClick r:id="rId2"/>
+              </a:rPr>
+              <a:t>寄生式继承</a:t>
+            </a:r>
+            <a:endParaRPr lang="zh-CN" altLang="en-US" dirty="0"/>
+          </a:p>
+        </p:txBody>
+      </p:sp>
+      <p:pic>
+        <p:nvPicPr>
+          <p:cNvPr id="4" name="内容占位符 3">
+            <a:hlinkClick r:id="rId2"/>
+          </p:cNvPr>
+          <p:cNvPicPr>
+            <a:picLocks noGrp="1" noChangeAspect="1"/>
+          </p:cNvPicPr>
+          <p:nvPr>
+            <p:ph idx="1"/>
+          </p:nvPr>
+        </p:nvPicPr>
+        <p:blipFill>
+          <a:blip r:embed="rId3">
+            <a:extLst>
+              <a:ext uri="{28A0092B-C50C-407E-A947-70E740481C1C}">
+                <a14:useLocalDpi xmlns:a14="http://schemas.microsoft.com/office/drawing/2010/main" val="0"/>
+              </a:ext>
+            </a:extLst>
+          </a:blip>
+          <a:stretch>
+            <a:fillRect/>
+          </a:stretch>
+        </p:blipFill>
+        <p:spPr>
+          <a:xfrm>
+            <a:off x="2738437" y="1981994"/>
+            <a:ext cx="3667125" cy="3762375"/>
+          </a:xfrm>
+        </p:spPr>
+      </p:pic>
+    </p:spTree>
+    <p:extLst>
+      <p:ext uri="{BB962C8B-B14F-4D97-AF65-F5344CB8AC3E}">
+        <p14:creationId xmlns:p14="http://schemas.microsoft.com/office/powerpoint/2010/main" val="1525444814"/>
+      </p:ext>
+    </p:extLst>
+  </p:cSld>
+  <p:clrMapOvr>
+    <a:masterClrMapping/>
+  </p:clrMapOvr>
+</p:sld>
+</file>
+
+<file path=ppt/slides/slide12.xml><?xml version="1.0" encoding="utf-8"?>
+<p:sld xmlns:a="http://schemas.openxmlformats.org/drawingml/2006/main" xmlns:r="http://schemas.openxmlformats.org/officeDocument/2006/relationships" xmlns:p="http://schemas.openxmlformats.org/presentationml/2006/main">
+  <p:cSld>
+    <p:spTree>
+      <p:nvGrpSpPr>
+        <p:cNvPr id="1" name=""/>
+        <p:cNvGrpSpPr/>
+        <p:nvPr/>
+      </p:nvGrpSpPr>
+      <p:grpSpPr>
+        <a:xfrm>
+          <a:off x="0" y="0"/>
+          <a:ext cx="0" cy="0"/>
+          <a:chOff x="0" y="0"/>
+          <a:chExt cx="0" cy="0"/>
+        </a:xfrm>
+      </p:grpSpPr>
+      <p:sp>
+        <p:nvSpPr>
+          <p:cNvPr id="2" name="标题 1"/>
+          <p:cNvSpPr>
+            <a:spLocks noGrp="1"/>
+          </p:cNvSpPr>
+          <p:nvPr>
+            <p:ph type="title"/>
+          </p:nvPr>
+        </p:nvSpPr>
+        <p:spPr/>
+        <p:txBody>
+          <a:bodyPr/>
+          <a:lstStyle/>
+          <a:p>
+            <a:r>
+              <a:rPr lang="zh-CN" altLang="en-US" dirty="0" smtClean="0">
+                <a:hlinkClick r:id="rId2"/>
+              </a:rPr>
+              <a:t>组合寄生式继承</a:t>
+            </a:r>
+            <a:endParaRPr lang="zh-CN" altLang="en-US" dirty="0"/>
+          </a:p>
+        </p:txBody>
+      </p:sp>
+      <p:pic>
+        <p:nvPicPr>
+          <p:cNvPr id="4" name="内容占位符 3">
+            <a:hlinkClick r:id="rId2"/>
+          </p:cNvPr>
+          <p:cNvPicPr>
+            <a:picLocks noGrp="1" noChangeAspect="1"/>
+          </p:cNvPicPr>
+          <p:nvPr>
+            <p:ph idx="1"/>
+          </p:nvPr>
+        </p:nvPicPr>
+        <p:blipFill>
+          <a:blip r:embed="rId3">
+            <a:extLst>
+              <a:ext uri="{28A0092B-C50C-407E-A947-70E740481C1C}">
+                <a14:useLocalDpi xmlns:a14="http://schemas.microsoft.com/office/drawing/2010/main" val="0"/>
+              </a:ext>
+            </a:extLst>
+          </a:blip>
+          <a:stretch>
+            <a:fillRect/>
+          </a:stretch>
+        </p:blipFill>
+        <p:spPr>
+          <a:xfrm>
+            <a:off x="2357437" y="2367756"/>
+            <a:ext cx="4429125" cy="2990850"/>
+          </a:xfrm>
+        </p:spPr>
+      </p:pic>
+    </p:spTree>
+    <p:extLst>
+      <p:ext uri="{BB962C8B-B14F-4D97-AF65-F5344CB8AC3E}">
+        <p14:creationId xmlns:p14="http://schemas.microsoft.com/office/powerpoint/2010/main" val="3463995538"/>
+      </p:ext>
+    </p:extLst>
+  </p:cSld>
+  <p:clrMapOvr>
+    <a:masterClrMapping/>
+  </p:clrMapOvr>
+</p:sld>
+</file>
+
+<file path=ppt/slides/slide13.xml><?xml version="1.0" encoding="utf-8"?>
+<p:sld xmlns:a="http://schemas.openxmlformats.org/drawingml/2006/main" xmlns:r="http://schemas.openxmlformats.org/officeDocument/2006/relationships" xmlns:p="http://schemas.openxmlformats.org/presentationml/2006/main">
+  <p:cSld>
+    <p:spTree>
+      <p:nvGrpSpPr>
+        <p:cNvPr id="1" name=""/>
+        <p:cNvGrpSpPr/>
+        <p:nvPr/>
+      </p:nvGrpSpPr>
+      <p:grpSpPr>
+        <a:xfrm>
+          <a:off x="0" y="0"/>
+          <a:ext cx="0" cy="0"/>
+          <a:chOff x="0" y="0"/>
+          <a:chExt cx="0" cy="0"/>
+        </a:xfrm>
+      </p:grpSpPr>
+      <p:sp>
+        <p:nvSpPr>
+          <p:cNvPr id="2" name="标题 1"/>
+          <p:cNvSpPr>
+            <a:spLocks noGrp="1"/>
+          </p:cNvSpPr>
+          <p:nvPr>
+            <p:ph type="title"/>
+          </p:nvPr>
+        </p:nvSpPr>
+        <p:spPr/>
+        <p:txBody>
+          <a:bodyPr/>
+          <a:lstStyle/>
+          <a:p>
+            <a:r>
+              <a:rPr lang="zh-CN" altLang="en-US" dirty="0" smtClean="0"/>
+              <a:t>多态</a:t>
+            </a:r>
+            <a:endParaRPr lang="zh-CN" altLang="en-US" dirty="0"/>
+          </a:p>
+        </p:txBody>
+      </p:sp>
+      <p:sp>
+        <p:nvSpPr>
+          <p:cNvPr id="3" name="内容占位符 2"/>
+          <p:cNvSpPr>
+            <a:spLocks noGrp="1"/>
+          </p:cNvSpPr>
+          <p:nvPr>
+            <p:ph idx="1"/>
+          </p:nvPr>
+        </p:nvSpPr>
+        <p:spPr/>
+        <p:txBody>
+          <a:bodyPr/>
+          <a:lstStyle/>
+          <a:p>
+            <a:r>
+              <a:rPr lang="zh-CN" altLang="en-US" dirty="0"/>
+              <a:t>多态指同一个实体同时具有多种形式。它</a:t>
+            </a:r>
+            <a:r>
+              <a:rPr lang="zh-CN" altLang="en-US" dirty="0" smtClean="0"/>
+              <a:t>是面向对象程序设计（</a:t>
+            </a:r>
+            <a:r>
+              <a:rPr lang="en-US" altLang="zh-CN" dirty="0"/>
+              <a:t>OOP</a:t>
+            </a:r>
+            <a:r>
+              <a:rPr lang="zh-CN" altLang="en-US" dirty="0"/>
+              <a:t>）的一个重要</a:t>
+            </a:r>
+            <a:r>
+              <a:rPr lang="zh-CN" altLang="en-US" dirty="0" smtClean="0"/>
+              <a:t>特征。</a:t>
+            </a:r>
+            <a:endParaRPr lang="zh-CN" altLang="en-US" dirty="0"/>
+          </a:p>
+        </p:txBody>
+      </p:sp>
+    </p:spTree>
+    <p:extLst>
+      <p:ext uri="{BB962C8B-B14F-4D97-AF65-F5344CB8AC3E}">
+        <p14:creationId xmlns:p14="http://schemas.microsoft.com/office/powerpoint/2010/main" val="4040251918"/>
+      </p:ext>
+    </p:extLst>
+  </p:cSld>
+  <p:clrMapOvr>
+    <a:masterClrMapping/>
+  </p:clrMapOvr>
+</p:sld>
+</file>
+
+<file path=ppt/slides/slide14.xml><?xml version="1.0" encoding="utf-8"?>
+<p:sld xmlns:a="http://schemas.openxmlformats.org/drawingml/2006/main" xmlns:r="http://schemas.openxmlformats.org/officeDocument/2006/relationships" xmlns:p="http://schemas.openxmlformats.org/presentationml/2006/main">
+  <p:cSld>
+    <p:spTree>
+      <p:nvGrpSpPr>
+        <p:cNvPr id="1" name=""/>
+        <p:cNvGrpSpPr/>
+        <p:nvPr/>
+      </p:nvGrpSpPr>
+      <p:grpSpPr>
+        <a:xfrm>
+          <a:off x="0" y="0"/>
+          <a:ext cx="0" cy="0"/>
+          <a:chOff x="0" y="0"/>
+          <a:chExt cx="0" cy="0"/>
+        </a:xfrm>
+      </p:grpSpPr>
+      <p:sp>
+        <p:nvSpPr>
+          <p:cNvPr id="2" name="标题 1"/>
+          <p:cNvSpPr>
+            <a:spLocks noGrp="1"/>
+          </p:cNvSpPr>
+          <p:nvPr>
+            <p:ph type="title"/>
+          </p:nvPr>
+        </p:nvSpPr>
+        <p:spPr/>
+        <p:txBody>
+          <a:bodyPr/>
+          <a:lstStyle/>
+          <a:p>
+            <a:r>
+              <a:rPr lang="zh-CN" altLang="en-US" dirty="0" smtClean="0">
                 <a:solidFill>
                   <a:srgbClr val="C00000"/>
                 </a:solidFill>
+                <a:hlinkClick r:id="rId2"/>
               </a:rPr>
               <a:t>多态</a:t>
             </a:r>
@@ -7560,6 +7943,7 @@
                 <a:solidFill>
                   <a:srgbClr val="C00000"/>
                 </a:solidFill>
+                <a:hlinkClick r:id="rId2"/>
               </a:rPr>
               <a:t>demo</a:t>
             </a:r>
@@ -7573,7 +7957,9 @@
       </p:sp>
       <p:pic>
         <p:nvPicPr>
-          <p:cNvPr id="4" name="内容占位符 3"/>
+          <p:cNvPr id="4" name="内容占位符 3">
+            <a:hlinkClick r:id="rId2"/>
+          </p:cNvPr>
           <p:cNvPicPr>
             <a:picLocks noGrp="1" noChangeAspect="1"/>
           </p:cNvPicPr>
@@ -7582,7 +7968,7 @@
           </p:nvPr>
         </p:nvPicPr>
         <p:blipFill>
-          <a:blip r:embed="rId2">
+          <a:blip r:embed="rId3">
             <a:extLst>
               <a:ext uri="{28A0092B-C50C-407E-A947-70E740481C1C}">
                 <a14:useLocalDpi xmlns:a14="http://schemas.microsoft.com/office/drawing/2010/main" val="0"/>
@@ -7787,7 +8173,6 @@
               <a:rPr lang="zh-CN" altLang="en-US" dirty="0"/>
               <a:t>，其中数据和函数都是类的成员。</a:t>
             </a:r>
-            <a:endParaRPr lang="zh-CN" altLang="en-US" dirty="0"/>
           </a:p>
         </p:txBody>
       </p:sp>
@@ -7848,6 +8233,7 @@
                 <a:solidFill>
                   <a:srgbClr val="C00000"/>
                 </a:solidFill>
+                <a:hlinkClick r:id="rId2"/>
               </a:rPr>
               <a:t>封装</a:t>
             </a:r>
@@ -7856,6 +8242,7 @@
                 <a:solidFill>
                   <a:srgbClr val="C00000"/>
                 </a:solidFill>
+                <a:hlinkClick r:id="rId2"/>
               </a:rPr>
               <a:t>demo</a:t>
             </a:r>
@@ -7869,7 +8256,9 @@
       </p:sp>
       <p:pic>
         <p:nvPicPr>
-          <p:cNvPr id="4" name="内容占位符 3"/>
+          <p:cNvPr id="4" name="内容占位符 3">
+            <a:hlinkClick r:id="rId2"/>
+          </p:cNvPr>
           <p:cNvPicPr>
             <a:picLocks noGrp="1" noChangeAspect="1"/>
           </p:cNvPicPr>
@@ -7878,7 +8267,7 @@
           </p:nvPr>
         </p:nvPicPr>
         <p:blipFill>
-          <a:blip r:embed="rId2">
+          <a:blip r:embed="rId3">
             <a:extLst>
               <a:ext uri="{28A0092B-C50C-407E-A947-70E740481C1C}">
                 <a14:useLocalDpi xmlns:a14="http://schemas.microsoft.com/office/drawing/2010/main" val="0"/>
@@ -7990,7 +8379,6 @@
               <a:rPr lang="zh-CN" altLang="en-US" dirty="0"/>
               <a:t>继承是指一个对象直接使用另一对象的属性和方法。</a:t>
             </a:r>
-            <a:endParaRPr lang="zh-CN" altLang="en-US" dirty="0"/>
           </a:p>
         </p:txBody>
       </p:sp>
@@ -8169,6 +8557,13 @@
   <p:clrMapOvr>
     <a:masterClrMapping/>
   </p:clrMapOvr>
+  <p:timing>
+    <p:tnLst>
+      <p:par>
+        <p:cTn id="1" dur="indefinite" restart="never" nodeType="tmRoot"/>
+      </p:par>
+    </p:tnLst>
+  </p:timing>
 </p:sld>
 </file>
 
@@ -8244,45 +8639,65 @@
           <a:lstStyle/>
           <a:p>
             <a:r>
+              <a:rPr lang="en-US" altLang="zh-CN" dirty="0" smtClean="0">
+                <a:hlinkClick r:id="rId2" action="ppaction://hlinksldjump"/>
+              </a:rPr>
+              <a:t>1. </a:t>
+            </a:r>
+            <a:r>
+              <a:rPr lang="zh-CN" altLang="en-US" dirty="0" smtClean="0">
+                <a:hlinkClick r:id="rId2" action="ppaction://hlinksldjump"/>
+              </a:rPr>
+              <a:t>类式继承</a:t>
+            </a:r>
+            <a:endParaRPr lang="en-US" altLang="zh-CN" dirty="0" smtClean="0"/>
+          </a:p>
+          <a:p>
+            <a:r>
+              <a:rPr lang="en-US" altLang="zh-CN" dirty="0" smtClean="0">
+                <a:hlinkClick r:id="rId3" action="ppaction://hlinksldjump"/>
+              </a:rPr>
+              <a:t>2. </a:t>
+            </a:r>
+            <a:r>
+              <a:rPr lang="zh-CN" altLang="en-US" dirty="0" smtClean="0">
+                <a:hlinkClick r:id="rId3" action="ppaction://hlinksldjump"/>
+              </a:rPr>
+              <a:t>构造函数继承</a:t>
+            </a:r>
+            <a:endParaRPr lang="en-US" altLang="zh-CN" dirty="0" smtClean="0"/>
+          </a:p>
+          <a:p>
+            <a:r>
               <a:rPr lang="en-US" altLang="zh-CN" dirty="0" smtClean="0"/>
-              <a:t>1. </a:t>
-            </a:r>
-            <a:r>
-              <a:rPr lang="zh-CN" altLang="en-US" dirty="0" smtClean="0"/>
-              <a:t>类式继承</a:t>
+              <a:t>3</a:t>
+            </a:r>
+            <a:r>
+              <a:rPr lang="en-US" altLang="zh-CN" dirty="0" smtClean="0">
+                <a:hlinkClick r:id="rId4" action="ppaction://hlinksldjump"/>
+              </a:rPr>
+              <a:t>. </a:t>
+            </a:r>
+            <a:r>
+              <a:rPr lang="zh-CN" altLang="en-US" dirty="0" smtClean="0">
+                <a:hlinkClick r:id="rId4" action="ppaction://hlinksldjump"/>
+              </a:rPr>
+              <a:t>组合继承</a:t>
             </a:r>
             <a:endParaRPr lang="en-US" altLang="zh-CN" dirty="0" smtClean="0"/>
           </a:p>
           <a:p>
             <a:r>
-              <a:rPr lang="en-US" altLang="zh-CN" dirty="0" smtClean="0"/>
-              <a:t>2. </a:t>
-            </a:r>
-            <a:r>
-              <a:rPr lang="zh-CN" altLang="en-US" dirty="0" smtClean="0"/>
-              <a:t>构造函数继承</a:t>
-            </a:r>
-            <a:endParaRPr lang="en-US" altLang="zh-CN" dirty="0" smtClean="0"/>
-          </a:p>
-          <a:p>
-            <a:r>
-              <a:rPr lang="en-US" altLang="zh-CN" dirty="0" smtClean="0"/>
-              <a:t>3. </a:t>
-            </a:r>
-            <a:r>
-              <a:rPr lang="zh-CN" altLang="en-US" dirty="0" smtClean="0"/>
-              <a:t>组合继承</a:t>
-            </a:r>
-            <a:endParaRPr lang="en-US" altLang="zh-CN" dirty="0" smtClean="0"/>
-          </a:p>
-          <a:p>
-            <a:r>
-              <a:rPr lang="en-US" altLang="zh-CN" dirty="0" smtClean="0"/>
+              <a:rPr lang="en-US" altLang="zh-CN" dirty="0" smtClean="0">
+                <a:hlinkClick r:id="rId5" action="ppaction://hlinksldjump"/>
+              </a:rPr>
               <a:t>4. </a:t>
             </a:r>
             <a:r>
-              <a:rPr lang="zh-CN" altLang="en-US" dirty="0" smtClean="0"/>
-              <a:t>原型是继承</a:t>
+              <a:rPr lang="zh-CN" altLang="en-US" dirty="0" smtClean="0">
+                <a:hlinkClick r:id="rId5" action="ppaction://hlinksldjump"/>
+              </a:rPr>
+              <a:t>原型式继承</a:t>
             </a:r>
             <a:endParaRPr lang="en-US" altLang="zh-CN" dirty="0" smtClean="0"/>
           </a:p>
@@ -8320,6 +8735,13 @@
   <p:clrMapOvr>
     <a:masterClrMapping/>
   </p:clrMapOvr>
+  <p:timing>
+    <p:tnLst>
+      <p:par>
+        <p:cTn id="1" dur="indefinite" restart="never" nodeType="tmRoot"/>
+      </p:par>
+    </p:tnLst>
+  </p:timing>
 </p:sld>
 </file>
 
@@ -8423,7 +8845,9 @@
       </p:sp>
       <p:pic>
         <p:nvPicPr>
-          <p:cNvPr id="4" name="内容占位符 3"/>
+          <p:cNvPr id="4" name="内容占位符 3">
+            <a:hlinkClick r:id="rId2"/>
+          </p:cNvPr>
           <p:cNvPicPr>
             <a:picLocks noGrp="1" noChangeAspect="1"/>
           </p:cNvPicPr>
@@ -8432,7 +8856,7 @@
           </p:nvPr>
         </p:nvPicPr>
         <p:blipFill>
-          <a:blip r:embed="rId2">
+          <a:blip r:embed="rId3">
             <a:extLst>
               <a:ext uri="{28A0092B-C50C-407E-A947-70E740481C1C}">
                 <a14:useLocalDpi xmlns:a14="http://schemas.microsoft.com/office/drawing/2010/main" val="0"/>
@@ -8500,6 +8924,7 @@
                 <a:solidFill>
                   <a:srgbClr val="C00000"/>
                 </a:solidFill>
+                <a:hlinkClick r:id="rId2"/>
               </a:rPr>
               <a:t>构造函数继承</a:t>
             </a:r>
@@ -8513,7 +8938,9 @@
       </p:sp>
       <p:pic>
         <p:nvPicPr>
-          <p:cNvPr id="4" name="内容占位符 3"/>
+          <p:cNvPr id="4" name="内容占位符 3">
+            <a:hlinkClick r:id="rId2"/>
+          </p:cNvPr>
           <p:cNvPicPr>
             <a:picLocks noGrp="1" noChangeAspect="1"/>
           </p:cNvPicPr>
@@ -8522,7 +8949,7 @@
           </p:nvPr>
         </p:nvPicPr>
         <p:blipFill>
-          <a:blip r:embed="rId2">
+          <a:blip r:embed="rId3">
             <a:extLst>
               <a:ext uri="{28A0092B-C50C-407E-A947-70E740481C1C}">
                 <a14:useLocalDpi xmlns:a14="http://schemas.microsoft.com/office/drawing/2010/main" val="0"/>
@@ -8595,6 +9022,7 @@
                 <a:solidFill>
                   <a:srgbClr val="C00000"/>
                 </a:solidFill>
+                <a:hlinkClick r:id="rId2"/>
               </a:rPr>
               <a:t>组合式继承</a:t>
             </a:r>
@@ -8608,7 +9036,9 @@
       </p:sp>
       <p:pic>
         <p:nvPicPr>
-          <p:cNvPr id="4" name="内容占位符 3"/>
+          <p:cNvPr id="4" name="内容占位符 3">
+            <a:hlinkClick r:id="rId2"/>
+          </p:cNvPr>
           <p:cNvPicPr>
             <a:picLocks noGrp="1" noChangeAspect="1"/>
           </p:cNvPicPr>
@@ -8617,7 +9047,7 @@
           </p:nvPr>
         </p:nvPicPr>
         <p:blipFill>
-          <a:blip r:embed="rId2">
+          <a:blip r:embed="rId3">
             <a:extLst>
               <a:ext uri="{28A0092B-C50C-407E-A947-70E740481C1C}">
                 <a14:useLocalDpi xmlns:a14="http://schemas.microsoft.com/office/drawing/2010/main" val="0"/>
